--- a/FSharp-Attributes.pptx
+++ b/FSharp-Attributes.pptx
@@ -3779,7 +3779,7 @@
             <p:ph idx="1"/>
             <p:extLst>
               <p:ext uri="{D42A27DB-BD31-4B8C-83A1-F6EECF244321}">
-                <p14:modId xmlns:p14="http://schemas.microsoft.com/office/powerpoint/2010/main" val="2080994076"/>
+                <p14:modId xmlns:p14="http://schemas.microsoft.com/office/powerpoint/2010/main" val="139171967"/>
               </p:ext>
             </p:extLst>
           </p:nvPr>
@@ -3997,10 +3997,10 @@
                     <a:lstStyle/>
                     <a:p>
                       <a:r>
-                        <a:rPr lang="de-DE" smtClean="0"/>
+                        <a:rPr lang="de-DE" dirty="0" err="1" smtClean="0"/>
                         <a:t>MultiThreading</a:t>
                       </a:r>
-                      <a:endParaRPr lang="de-DE"/>
+                      <a:endParaRPr lang="de-DE" dirty="0"/>
                     </a:p>
                   </a:txBody>
                   <a:tcPr/>
@@ -4012,16 +4012,40 @@
                     <a:bodyPr/>
                     <a:lstStyle/>
                     <a:p>
-                      <a:endParaRPr lang="de-DE"/>
-                    </a:p>
-                  </a:txBody>
-                  <a:tcPr/>
-                </a:tc>
-                <a:tc>
-                  <a:txBody>
-                    <a:bodyPr/>
-                    <a:lstStyle/>
-                    <a:p>
+                      <a:r>
+                        <a:rPr lang="de-DE" dirty="0" smtClean="0"/>
+                        <a:t>[&lt;</a:t>
+                      </a:r>
+                      <a:r>
+                        <a:rPr lang="de-DE" dirty="0" err="1" smtClean="0"/>
+                        <a:t>AutoOpen</a:t>
+                      </a:r>
+                      <a:r>
+                        <a:rPr lang="de-DE" dirty="0" smtClean="0"/>
+                        <a:t>&gt;]</a:t>
+                      </a:r>
+                      <a:endParaRPr lang="de-DE" dirty="0"/>
+                    </a:p>
+                  </a:txBody>
+                  <a:tcPr/>
+                </a:tc>
+                <a:tc>
+                  <a:txBody>
+                    <a:bodyPr/>
+                    <a:lstStyle/>
+                    <a:p>
+                      <a:r>
+                        <a:rPr lang="de-DE" dirty="0" smtClean="0"/>
+                        <a:t>Öffnet</a:t>
+                      </a:r>
+                      <a:r>
+                        <a:rPr lang="de-DE" baseline="0" dirty="0" smtClean="0"/>
+                        <a:t> Modul, sobald der übergeordnete </a:t>
+                      </a:r>
+                      <a:r>
+                        <a:rPr lang="de-DE" baseline="0" smtClean="0"/>
+                        <a:t>Namespace geöffnet wird</a:t>
+                      </a:r>
                       <a:endParaRPr lang="de-DE"/>
                     </a:p>
                   </a:txBody>
@@ -4188,8 +4212,8 @@
           <a:lstStyle/>
           <a:p>
             <a:r>
-              <a:rPr lang="de-DE" dirty="0" err="1" smtClean="0"/>
-              <a:t>FUnktionen</a:t>
+              <a:rPr lang="de-DE" dirty="0" smtClean="0"/>
+              <a:t>Funktionen</a:t>
             </a:r>
             <a:endParaRPr lang="de-DE" dirty="0"/>
           </a:p>
